--- a/src/content/tutorials/quintenzirkel/materialien/Abbildungen-Quintenzirkel.pptx
+++ b/src/content/tutorials/quintenzirkel/materialien/Abbildungen-Quintenzirkel.pptx
@@ -5,13 +5,15 @@
     <p:sldMasterId id="2147483648" r:id="rId1"/>
   </p:sldMasterIdLst>
   <p:notesMasterIdLst>
-    <p:notesMasterId r:id="rId6"/>
+    <p:notesMasterId r:id="rId8"/>
   </p:notesMasterIdLst>
   <p:sldIdLst>
     <p:sldId id="298" r:id="rId2"/>
     <p:sldId id="300" r:id="rId3"/>
     <p:sldId id="301" r:id="rId4"/>
     <p:sldId id="299" r:id="rId5"/>
+    <p:sldId id="302" r:id="rId6"/>
+    <p:sldId id="303" r:id="rId7"/>
   </p:sldIdLst>
   <p:sldSz cx="9144000" cy="6858000" type="screen4x3"/>
   <p:notesSz cx="6858000" cy="9144000"/>
@@ -212,7 +214,7 @@
             <a:fld id="{11100C80-1096-4AF9-90FF-AB2299A7BB81}" type="datetimeFigureOut">
               <a:rPr lang="de-DE" smtClean="0"/>
               <a:pPr/>
-              <a:t>30.07.2017</a:t>
+              <a:t>02.10.2017</a:t>
             </a:fld>
             <a:endParaRPr lang="de-DE"/>
           </a:p>
@@ -563,6 +565,91 @@
 </p:notes>
 </file>
 
+<file path=ppt/notesSlides/notesSlide2.xml><?xml version="1.0" encoding="utf-8"?>
+<p:notes xmlns:a="http://schemas.openxmlformats.org/drawingml/2006/main" xmlns:r="http://schemas.openxmlformats.org/officeDocument/2006/relationships" xmlns:p="http://schemas.openxmlformats.org/presentationml/2006/main">
+  <p:cSld>
+    <p:spTree>
+      <p:nvGrpSpPr>
+        <p:cNvPr id="1" name=""/>
+        <p:cNvGrpSpPr/>
+        <p:nvPr/>
+      </p:nvGrpSpPr>
+      <p:grpSpPr>
+        <a:xfrm>
+          <a:off x="0" y="0"/>
+          <a:ext cx="0" cy="0"/>
+          <a:chOff x="0" y="0"/>
+          <a:chExt cx="0" cy="0"/>
+        </a:xfrm>
+      </p:grpSpPr>
+      <p:sp>
+        <p:nvSpPr>
+          <p:cNvPr id="2" name="Folienbildplatzhalter 1"/>
+          <p:cNvSpPr>
+            <a:spLocks noGrp="1" noRot="1" noChangeAspect="1"/>
+          </p:cNvSpPr>
+          <p:nvPr>
+            <p:ph type="sldImg"/>
+          </p:nvPr>
+        </p:nvSpPr>
+        <p:spPr/>
+      </p:sp>
+      <p:sp>
+        <p:nvSpPr>
+          <p:cNvPr id="3" name="Notizenplatzhalter 2"/>
+          <p:cNvSpPr>
+            <a:spLocks noGrp="1"/>
+          </p:cNvSpPr>
+          <p:nvPr>
+            <p:ph type="body" idx="1"/>
+          </p:nvPr>
+        </p:nvSpPr>
+        <p:spPr/>
+        <p:txBody>
+          <a:bodyPr/>
+          <a:lstStyle/>
+          <a:p>
+            <a:endParaRPr lang="de-DE" dirty="0"/>
+          </a:p>
+        </p:txBody>
+      </p:sp>
+      <p:sp>
+        <p:nvSpPr>
+          <p:cNvPr id="4" name="Foliennummernplatzhalter 3"/>
+          <p:cNvSpPr>
+            <a:spLocks noGrp="1"/>
+          </p:cNvSpPr>
+          <p:nvPr>
+            <p:ph type="sldNum" sz="quarter" idx="10"/>
+          </p:nvPr>
+        </p:nvSpPr>
+        <p:spPr/>
+        <p:txBody>
+          <a:bodyPr/>
+          <a:lstStyle/>
+          <a:p>
+            <a:fld id="{F6A7C488-9AD0-4779-B07A-A4BC2B6AE0CD}" type="slidenum">
+              <a:rPr lang="de-DE" smtClean="0"/>
+              <a:pPr/>
+              <a:t>6</a:t>
+            </a:fld>
+            <a:endParaRPr lang="de-DE"/>
+          </a:p>
+        </p:txBody>
+      </p:sp>
+    </p:spTree>
+    <p:extLst>
+      <p:ext uri="{BB962C8B-B14F-4D97-AF65-F5344CB8AC3E}">
+        <p14:creationId xmlns:p14="http://schemas.microsoft.com/office/powerpoint/2010/main" val="1890171445"/>
+      </p:ext>
+    </p:extLst>
+  </p:cSld>
+  <p:clrMapOvr>
+    <a:masterClrMapping/>
+  </p:clrMapOvr>
+</p:notes>
+</file>
+
 <file path=ppt/slideLayouts/slideLayout1.xml><?xml version="1.0" encoding="utf-8"?>
 <p:sldLayout xmlns:a="http://schemas.openxmlformats.org/drawingml/2006/main" xmlns:r="http://schemas.openxmlformats.org/officeDocument/2006/relationships" xmlns:p="http://schemas.openxmlformats.org/presentationml/2006/main" type="title" preserve="1">
   <p:cSld name="Titelfolie">
@@ -745,7 +832,7 @@
             <a:fld id="{62DDE5E2-8159-4466-814F-B4B3A43FBB48}" type="datetimeFigureOut">
               <a:rPr lang="de-DE" smtClean="0"/>
               <a:pPr/>
-              <a:t>30.07.2017</a:t>
+              <a:t>02.10.2017</a:t>
             </a:fld>
             <a:endParaRPr lang="de-DE"/>
           </a:p>
@@ -912,7 +999,7 @@
             <a:fld id="{62DDE5E2-8159-4466-814F-B4B3A43FBB48}" type="datetimeFigureOut">
               <a:rPr lang="de-DE" smtClean="0"/>
               <a:pPr/>
-              <a:t>30.07.2017</a:t>
+              <a:t>02.10.2017</a:t>
             </a:fld>
             <a:endParaRPr lang="de-DE"/>
           </a:p>
@@ -1089,7 +1176,7 @@
             <a:fld id="{62DDE5E2-8159-4466-814F-B4B3A43FBB48}" type="datetimeFigureOut">
               <a:rPr lang="de-DE" smtClean="0"/>
               <a:pPr/>
-              <a:t>30.07.2017</a:t>
+              <a:t>02.10.2017</a:t>
             </a:fld>
             <a:endParaRPr lang="de-DE"/>
           </a:p>
@@ -1256,7 +1343,7 @@
             <a:fld id="{62DDE5E2-8159-4466-814F-B4B3A43FBB48}" type="datetimeFigureOut">
               <a:rPr lang="de-DE" smtClean="0"/>
               <a:pPr/>
-              <a:t>30.07.2017</a:t>
+              <a:t>02.10.2017</a:t>
             </a:fld>
             <a:endParaRPr lang="de-DE"/>
           </a:p>
@@ -1499,7 +1586,7 @@
             <a:fld id="{62DDE5E2-8159-4466-814F-B4B3A43FBB48}" type="datetimeFigureOut">
               <a:rPr lang="de-DE" smtClean="0"/>
               <a:pPr/>
-              <a:t>30.07.2017</a:t>
+              <a:t>02.10.2017</a:t>
             </a:fld>
             <a:endParaRPr lang="de-DE"/>
           </a:p>
@@ -1784,7 +1871,7 @@
             <a:fld id="{62DDE5E2-8159-4466-814F-B4B3A43FBB48}" type="datetimeFigureOut">
               <a:rPr lang="de-DE" smtClean="0"/>
               <a:pPr/>
-              <a:t>30.07.2017</a:t>
+              <a:t>02.10.2017</a:t>
             </a:fld>
             <a:endParaRPr lang="de-DE"/>
           </a:p>
@@ -2203,7 +2290,7 @@
             <a:fld id="{62DDE5E2-8159-4466-814F-B4B3A43FBB48}" type="datetimeFigureOut">
               <a:rPr lang="de-DE" smtClean="0"/>
               <a:pPr/>
-              <a:t>30.07.2017</a:t>
+              <a:t>02.10.2017</a:t>
             </a:fld>
             <a:endParaRPr lang="de-DE"/>
           </a:p>
@@ -2318,7 +2405,7 @@
             <a:fld id="{62DDE5E2-8159-4466-814F-B4B3A43FBB48}" type="datetimeFigureOut">
               <a:rPr lang="de-DE" smtClean="0"/>
               <a:pPr/>
-              <a:t>30.07.2017</a:t>
+              <a:t>02.10.2017</a:t>
             </a:fld>
             <a:endParaRPr lang="de-DE"/>
           </a:p>
@@ -2410,7 +2497,7 @@
             <a:fld id="{62DDE5E2-8159-4466-814F-B4B3A43FBB48}" type="datetimeFigureOut">
               <a:rPr lang="de-DE" smtClean="0"/>
               <a:pPr/>
-              <a:t>30.07.2017</a:t>
+              <a:t>02.10.2017</a:t>
             </a:fld>
             <a:endParaRPr lang="de-DE"/>
           </a:p>
@@ -2684,7 +2771,7 @@
             <a:fld id="{62DDE5E2-8159-4466-814F-B4B3A43FBB48}" type="datetimeFigureOut">
               <a:rPr lang="de-DE" smtClean="0"/>
               <a:pPr/>
-              <a:t>30.07.2017</a:t>
+              <a:t>02.10.2017</a:t>
             </a:fld>
             <a:endParaRPr lang="de-DE"/>
           </a:p>
@@ -2934,7 +3021,7 @@
             <a:fld id="{62DDE5E2-8159-4466-814F-B4B3A43FBB48}" type="datetimeFigureOut">
               <a:rPr lang="de-DE" smtClean="0"/>
               <a:pPr/>
-              <a:t>30.07.2017</a:t>
+              <a:t>02.10.2017</a:t>
             </a:fld>
             <a:endParaRPr lang="de-DE"/>
           </a:p>
@@ -3144,7 +3231,7 @@
             <a:fld id="{62DDE5E2-8159-4466-814F-B4B3A43FBB48}" type="datetimeFigureOut">
               <a:rPr lang="de-DE" smtClean="0"/>
               <a:pPr/>
-              <a:t>30.07.2017</a:t>
+              <a:t>02.10.2017</a:t>
             </a:fld>
             <a:endParaRPr lang="de-DE"/>
           </a:p>
@@ -7319,11 +7406,7 @@
             <a:p>
               <a:r>
                 <a:rPr lang="de-DE" sz="2800" dirty="0" smtClean="0"/>
-                <a:t>D     A      E     H     F#    C#    G#  </a:t>
-              </a:r>
-              <a:r>
-                <a:rPr lang="de-DE" sz="2800" dirty="0" smtClean="0"/>
-                <a:t>  </a:t>
+                <a:t>D     A      E     H     F#    C#    G#    </a:t>
               </a:r>
               <a:endParaRPr lang="de-DE" sz="2800" dirty="0"/>
             </a:p>
@@ -8477,11 +8560,7 @@
             <a:p>
               <a:r>
                 <a:rPr lang="de-DE" sz="2800" dirty="0" smtClean="0"/>
-                <a:t>G      D     A      E     H     F#    C#      </a:t>
-              </a:r>
-              <a:r>
-                <a:rPr lang="de-DE" sz="2800" dirty="0" smtClean="0"/>
-                <a:t>  </a:t>
+                <a:t>G      D     A      E     H     F#    C#        </a:t>
               </a:r>
               <a:endParaRPr lang="de-DE" sz="2800" dirty="0"/>
             </a:p>
@@ -9623,6 +9702,1855 @@
     <p:extLst>
       <p:ext uri="{BB962C8B-B14F-4D97-AF65-F5344CB8AC3E}">
         <p14:creationId xmlns:p14="http://schemas.microsoft.com/office/powerpoint/2010/main" val="4281885893"/>
+      </p:ext>
+    </p:extLst>
+  </p:cSld>
+  <p:clrMapOvr>
+    <a:masterClrMapping/>
+  </p:clrMapOvr>
+</p:sld>
+</file>
+
+<file path=ppt/slides/slide5.xml><?xml version="1.0" encoding="utf-8"?>
+<p:sld xmlns:a="http://schemas.openxmlformats.org/drawingml/2006/main" xmlns:r="http://schemas.openxmlformats.org/officeDocument/2006/relationships" xmlns:p="http://schemas.openxmlformats.org/presentationml/2006/main">
+  <p:cSld>
+    <p:spTree>
+      <p:nvGrpSpPr>
+        <p:cNvPr id="1" name=""/>
+        <p:cNvGrpSpPr/>
+        <p:nvPr/>
+      </p:nvGrpSpPr>
+      <p:grpSpPr>
+        <a:xfrm>
+          <a:off x="0" y="0"/>
+          <a:ext cx="0" cy="0"/>
+          <a:chOff x="0" y="0"/>
+          <a:chExt cx="0" cy="0"/>
+        </a:xfrm>
+      </p:grpSpPr>
+      <p:grpSp>
+        <p:nvGrpSpPr>
+          <p:cNvPr id="32" name="Gruppieren 31"/>
+          <p:cNvGrpSpPr/>
+          <p:nvPr/>
+        </p:nvGrpSpPr>
+        <p:grpSpPr>
+          <a:xfrm>
+            <a:off x="2339752" y="338918"/>
+            <a:ext cx="4483391" cy="5381543"/>
+            <a:chOff x="2339752" y="338918"/>
+            <a:chExt cx="4483391" cy="5381543"/>
+          </a:xfrm>
+        </p:grpSpPr>
+        <p:pic>
+          <p:nvPicPr>
+            <p:cNvPr id="4" name="Grafik 3"/>
+            <p:cNvPicPr>
+              <a:picLocks noChangeAspect="1"/>
+            </p:cNvPicPr>
+            <p:nvPr/>
+          </p:nvPicPr>
+          <p:blipFill rotWithShape="1">
+            <a:blip r:embed="rId2" cstate="print">
+              <a:extLst>
+                <a:ext uri="{28A0092B-C50C-407E-A947-70E740481C1C}">
+                  <a14:useLocalDpi xmlns:a14="http://schemas.microsoft.com/office/drawing/2010/main" val="0"/>
+                </a:ext>
+              </a:extLst>
+            </a:blip>
+            <a:srcRect t="21529"/>
+            <a:stretch/>
+          </p:blipFill>
+          <p:spPr>
+            <a:xfrm>
+              <a:off x="4034823" y="338918"/>
+              <a:ext cx="969225" cy="5381543"/>
+            </a:xfrm>
+            <a:prstGeom prst="rect">
+              <a:avLst/>
+            </a:prstGeom>
+          </p:spPr>
+        </p:pic>
+        <p:sp>
+          <p:nvSpPr>
+            <p:cNvPr id="5" name="Ellipse 4"/>
+            <p:cNvSpPr/>
+            <p:nvPr/>
+          </p:nvSpPr>
+          <p:spPr>
+            <a:xfrm>
+              <a:off x="4261128" y="4704961"/>
+              <a:ext cx="528474" cy="383653"/>
+            </a:xfrm>
+            <a:prstGeom prst="ellipse">
+              <a:avLst/>
+            </a:prstGeom>
+            <a:solidFill>
+              <a:schemeClr val="bg1"/>
+            </a:solidFill>
+            <a:ln>
+              <a:noFill/>
+            </a:ln>
+          </p:spPr>
+          <p:style>
+            <a:lnRef idx="2">
+              <a:schemeClr val="accent1">
+                <a:shade val="50000"/>
+              </a:schemeClr>
+            </a:lnRef>
+            <a:fillRef idx="1">
+              <a:schemeClr val="accent1"/>
+            </a:fillRef>
+            <a:effectRef idx="0">
+              <a:schemeClr val="accent1"/>
+            </a:effectRef>
+            <a:fontRef idx="minor">
+              <a:schemeClr val="lt1"/>
+            </a:fontRef>
+          </p:style>
+          <p:txBody>
+            <a:bodyPr rtlCol="0" anchor="ctr"/>
+            <a:lstStyle/>
+            <a:p>
+              <a:pPr algn="ctr"/>
+              <a:endParaRPr lang="de-DE"/>
+            </a:p>
+          </p:txBody>
+        </p:sp>
+        <p:sp>
+          <p:nvSpPr>
+            <p:cNvPr id="6" name="Textfeld 5"/>
+            <p:cNvSpPr txBox="1"/>
+            <p:nvPr/>
+          </p:nvSpPr>
+          <p:spPr>
+            <a:xfrm>
+              <a:off x="4360974" y="4625629"/>
+              <a:ext cx="428628" cy="523220"/>
+            </a:xfrm>
+            <a:prstGeom prst="rect">
+              <a:avLst/>
+            </a:prstGeom>
+            <a:noFill/>
+          </p:spPr>
+          <p:txBody>
+            <a:bodyPr wrap="square" rtlCol="0">
+              <a:spAutoFit/>
+            </a:bodyPr>
+            <a:lstStyle/>
+            <a:p>
+              <a:r>
+                <a:rPr lang="de-DE" sz="2800" dirty="0"/>
+                <a:t>F</a:t>
+              </a:r>
+            </a:p>
+          </p:txBody>
+        </p:sp>
+        <p:sp>
+          <p:nvSpPr>
+            <p:cNvPr id="7" name="Ellipse 6"/>
+            <p:cNvSpPr/>
+            <p:nvPr/>
+          </p:nvSpPr>
+          <p:spPr>
+            <a:xfrm>
+              <a:off x="4270825" y="4200905"/>
+              <a:ext cx="528474" cy="383653"/>
+            </a:xfrm>
+            <a:prstGeom prst="ellipse">
+              <a:avLst/>
+            </a:prstGeom>
+            <a:solidFill>
+              <a:schemeClr val="bg1"/>
+            </a:solidFill>
+            <a:ln>
+              <a:noFill/>
+            </a:ln>
+          </p:spPr>
+          <p:style>
+            <a:lnRef idx="2">
+              <a:schemeClr val="accent1">
+                <a:shade val="50000"/>
+              </a:schemeClr>
+            </a:lnRef>
+            <a:fillRef idx="1">
+              <a:schemeClr val="accent1"/>
+            </a:fillRef>
+            <a:effectRef idx="0">
+              <a:schemeClr val="accent1"/>
+            </a:effectRef>
+            <a:fontRef idx="minor">
+              <a:schemeClr val="lt1"/>
+            </a:fontRef>
+          </p:style>
+          <p:txBody>
+            <a:bodyPr rtlCol="0" anchor="ctr"/>
+            <a:lstStyle/>
+            <a:p>
+              <a:pPr algn="ctr"/>
+              <a:endParaRPr lang="de-DE"/>
+            </a:p>
+          </p:txBody>
+        </p:sp>
+        <p:sp>
+          <p:nvSpPr>
+            <p:cNvPr id="8" name="Ellipse 7"/>
+            <p:cNvSpPr/>
+            <p:nvPr/>
+          </p:nvSpPr>
+          <p:spPr>
+            <a:xfrm>
+              <a:off x="4278445" y="3720462"/>
+              <a:ext cx="528474" cy="383653"/>
+            </a:xfrm>
+            <a:prstGeom prst="ellipse">
+              <a:avLst/>
+            </a:prstGeom>
+            <a:solidFill>
+              <a:schemeClr val="bg1"/>
+            </a:solidFill>
+            <a:ln>
+              <a:noFill/>
+            </a:ln>
+          </p:spPr>
+          <p:style>
+            <a:lnRef idx="2">
+              <a:schemeClr val="accent1">
+                <a:shade val="50000"/>
+              </a:schemeClr>
+            </a:lnRef>
+            <a:fillRef idx="1">
+              <a:schemeClr val="accent1"/>
+            </a:fillRef>
+            <a:effectRef idx="0">
+              <a:schemeClr val="accent1"/>
+            </a:effectRef>
+            <a:fontRef idx="minor">
+              <a:schemeClr val="lt1"/>
+            </a:fontRef>
+          </p:style>
+          <p:txBody>
+            <a:bodyPr rtlCol="0" anchor="ctr"/>
+            <a:lstStyle/>
+            <a:p>
+              <a:pPr algn="ctr"/>
+              <a:endParaRPr lang="de-DE"/>
+            </a:p>
+          </p:txBody>
+        </p:sp>
+        <p:sp>
+          <p:nvSpPr>
+            <p:cNvPr id="9" name="Ellipse 8"/>
+            <p:cNvSpPr/>
+            <p:nvPr/>
+          </p:nvSpPr>
+          <p:spPr>
+            <a:xfrm>
+              <a:off x="4264763" y="3264801"/>
+              <a:ext cx="528474" cy="383653"/>
+            </a:xfrm>
+            <a:prstGeom prst="ellipse">
+              <a:avLst/>
+            </a:prstGeom>
+            <a:solidFill>
+              <a:schemeClr val="bg1"/>
+            </a:solidFill>
+            <a:ln>
+              <a:noFill/>
+            </a:ln>
+          </p:spPr>
+          <p:style>
+            <a:lnRef idx="2">
+              <a:schemeClr val="accent1">
+                <a:shade val="50000"/>
+              </a:schemeClr>
+            </a:lnRef>
+            <a:fillRef idx="1">
+              <a:schemeClr val="accent1"/>
+            </a:fillRef>
+            <a:effectRef idx="0">
+              <a:schemeClr val="accent1"/>
+            </a:effectRef>
+            <a:fontRef idx="minor">
+              <a:schemeClr val="lt1"/>
+            </a:fontRef>
+          </p:style>
+          <p:txBody>
+            <a:bodyPr rtlCol="0" anchor="ctr"/>
+            <a:lstStyle/>
+            <a:p>
+              <a:pPr algn="ctr"/>
+              <a:endParaRPr lang="de-DE"/>
+            </a:p>
+          </p:txBody>
+        </p:sp>
+        <p:sp>
+          <p:nvSpPr>
+            <p:cNvPr id="10" name="Ellipse 9"/>
+            <p:cNvSpPr/>
+            <p:nvPr/>
+          </p:nvSpPr>
+          <p:spPr>
+            <a:xfrm>
+              <a:off x="4261335" y="2784358"/>
+              <a:ext cx="528474" cy="383653"/>
+            </a:xfrm>
+            <a:prstGeom prst="ellipse">
+              <a:avLst/>
+            </a:prstGeom>
+            <a:solidFill>
+              <a:schemeClr val="bg1"/>
+            </a:solidFill>
+            <a:ln>
+              <a:noFill/>
+            </a:ln>
+          </p:spPr>
+          <p:style>
+            <a:lnRef idx="2">
+              <a:schemeClr val="accent1">
+                <a:shade val="50000"/>
+              </a:schemeClr>
+            </a:lnRef>
+            <a:fillRef idx="1">
+              <a:schemeClr val="accent1"/>
+            </a:fillRef>
+            <a:effectRef idx="0">
+              <a:schemeClr val="accent1"/>
+            </a:effectRef>
+            <a:fontRef idx="minor">
+              <a:schemeClr val="lt1"/>
+            </a:fontRef>
+          </p:style>
+          <p:txBody>
+            <a:bodyPr rtlCol="0" anchor="ctr"/>
+            <a:lstStyle/>
+            <a:p>
+              <a:pPr algn="ctr"/>
+              <a:endParaRPr lang="de-DE"/>
+            </a:p>
+          </p:txBody>
+        </p:sp>
+        <p:sp>
+          <p:nvSpPr>
+            <p:cNvPr id="11" name="Ellipse 10"/>
+            <p:cNvSpPr/>
+            <p:nvPr/>
+          </p:nvSpPr>
+          <p:spPr>
+            <a:xfrm>
+              <a:off x="4261335" y="2352310"/>
+              <a:ext cx="528474" cy="383653"/>
+            </a:xfrm>
+            <a:prstGeom prst="ellipse">
+              <a:avLst/>
+            </a:prstGeom>
+            <a:solidFill>
+              <a:schemeClr val="bg1"/>
+            </a:solidFill>
+            <a:ln>
+              <a:noFill/>
+            </a:ln>
+          </p:spPr>
+          <p:style>
+            <a:lnRef idx="2">
+              <a:schemeClr val="accent1">
+                <a:shade val="50000"/>
+              </a:schemeClr>
+            </a:lnRef>
+            <a:fillRef idx="1">
+              <a:schemeClr val="accent1"/>
+            </a:fillRef>
+            <a:effectRef idx="0">
+              <a:schemeClr val="accent1"/>
+            </a:effectRef>
+            <a:fontRef idx="minor">
+              <a:schemeClr val="lt1"/>
+            </a:fontRef>
+          </p:style>
+          <p:txBody>
+            <a:bodyPr rtlCol="0" anchor="ctr"/>
+            <a:lstStyle/>
+            <a:p>
+              <a:pPr algn="ctr"/>
+              <a:endParaRPr lang="de-DE"/>
+            </a:p>
+          </p:txBody>
+        </p:sp>
+        <p:sp>
+          <p:nvSpPr>
+            <p:cNvPr id="12" name="Ellipse 11"/>
+            <p:cNvSpPr/>
+            <p:nvPr/>
+          </p:nvSpPr>
+          <p:spPr>
+            <a:xfrm>
+              <a:off x="4261335" y="1848254"/>
+              <a:ext cx="528474" cy="383653"/>
+            </a:xfrm>
+            <a:prstGeom prst="ellipse">
+              <a:avLst/>
+            </a:prstGeom>
+            <a:solidFill>
+              <a:schemeClr val="bg1"/>
+            </a:solidFill>
+            <a:ln>
+              <a:noFill/>
+            </a:ln>
+          </p:spPr>
+          <p:style>
+            <a:lnRef idx="2">
+              <a:schemeClr val="accent1">
+                <a:shade val="50000"/>
+              </a:schemeClr>
+            </a:lnRef>
+            <a:fillRef idx="1">
+              <a:schemeClr val="accent1"/>
+            </a:fillRef>
+            <a:effectRef idx="0">
+              <a:schemeClr val="accent1"/>
+            </a:effectRef>
+            <a:fontRef idx="minor">
+              <a:schemeClr val="lt1"/>
+            </a:fontRef>
+          </p:style>
+          <p:txBody>
+            <a:bodyPr rtlCol="0" anchor="ctr"/>
+            <a:lstStyle/>
+            <a:p>
+              <a:pPr algn="ctr"/>
+              <a:endParaRPr lang="de-DE"/>
+            </a:p>
+          </p:txBody>
+        </p:sp>
+        <p:sp>
+          <p:nvSpPr>
+            <p:cNvPr id="13" name="Textfeld 12"/>
+            <p:cNvSpPr txBox="1"/>
+            <p:nvPr/>
+          </p:nvSpPr>
+          <p:spPr>
+            <a:xfrm>
+              <a:off x="4323512" y="4119666"/>
+              <a:ext cx="428628" cy="523220"/>
+            </a:xfrm>
+            <a:prstGeom prst="rect">
+              <a:avLst/>
+            </a:prstGeom>
+            <a:noFill/>
+          </p:spPr>
+          <p:txBody>
+            <a:bodyPr wrap="square" rtlCol="0">
+              <a:spAutoFit/>
+            </a:bodyPr>
+            <a:lstStyle/>
+            <a:p>
+              <a:r>
+                <a:rPr lang="de-DE" sz="2800" dirty="0" smtClean="0"/>
+                <a:t>C</a:t>
+              </a:r>
+              <a:endParaRPr lang="de-DE" sz="2800" dirty="0"/>
+            </a:p>
+          </p:txBody>
+        </p:sp>
+        <p:sp>
+          <p:nvSpPr>
+            <p:cNvPr id="14" name="Textfeld 13"/>
+            <p:cNvSpPr txBox="1"/>
+            <p:nvPr/>
+          </p:nvSpPr>
+          <p:spPr>
+            <a:xfrm>
+              <a:off x="4322313" y="3634264"/>
+              <a:ext cx="428628" cy="523220"/>
+            </a:xfrm>
+            <a:prstGeom prst="rect">
+              <a:avLst/>
+            </a:prstGeom>
+            <a:noFill/>
+          </p:spPr>
+          <p:txBody>
+            <a:bodyPr wrap="square" rtlCol="0">
+              <a:spAutoFit/>
+            </a:bodyPr>
+            <a:lstStyle/>
+            <a:p>
+              <a:r>
+                <a:rPr lang="de-DE" sz="2800" dirty="0" smtClean="0"/>
+                <a:t>G</a:t>
+              </a:r>
+              <a:endParaRPr lang="de-DE" sz="2800" dirty="0"/>
+            </a:p>
+          </p:txBody>
+        </p:sp>
+        <p:sp>
+          <p:nvSpPr>
+            <p:cNvPr id="15" name="Textfeld 14"/>
+            <p:cNvSpPr txBox="1"/>
+            <p:nvPr/>
+          </p:nvSpPr>
+          <p:spPr>
+            <a:xfrm>
+              <a:off x="4341644" y="3189342"/>
+              <a:ext cx="428628" cy="523220"/>
+            </a:xfrm>
+            <a:prstGeom prst="rect">
+              <a:avLst/>
+            </a:prstGeom>
+            <a:noFill/>
+          </p:spPr>
+          <p:txBody>
+            <a:bodyPr wrap="square" rtlCol="0">
+              <a:spAutoFit/>
+            </a:bodyPr>
+            <a:lstStyle/>
+            <a:p>
+              <a:r>
+                <a:rPr lang="de-DE" sz="2800" dirty="0"/>
+                <a:t>D</a:t>
+              </a:r>
+            </a:p>
+          </p:txBody>
+        </p:sp>
+        <p:sp>
+          <p:nvSpPr>
+            <p:cNvPr id="16" name="Textfeld 15"/>
+            <p:cNvSpPr txBox="1"/>
+            <p:nvPr/>
+          </p:nvSpPr>
+          <p:spPr>
+            <a:xfrm>
+              <a:off x="4341238" y="2706226"/>
+              <a:ext cx="428628" cy="523220"/>
+            </a:xfrm>
+            <a:prstGeom prst="rect">
+              <a:avLst/>
+            </a:prstGeom>
+            <a:noFill/>
+          </p:spPr>
+          <p:txBody>
+            <a:bodyPr wrap="square" rtlCol="0">
+              <a:spAutoFit/>
+            </a:bodyPr>
+            <a:lstStyle/>
+            <a:p>
+              <a:r>
+                <a:rPr lang="de-DE" sz="2800" dirty="0"/>
+                <a:t>A</a:t>
+              </a:r>
+            </a:p>
+          </p:txBody>
+        </p:sp>
+        <p:sp>
+          <p:nvSpPr>
+            <p:cNvPr id="17" name="Textfeld 16"/>
+            <p:cNvSpPr txBox="1"/>
+            <p:nvPr/>
+          </p:nvSpPr>
+          <p:spPr>
+            <a:xfrm>
+              <a:off x="4334846" y="2262390"/>
+              <a:ext cx="428628" cy="523220"/>
+            </a:xfrm>
+            <a:prstGeom prst="rect">
+              <a:avLst/>
+            </a:prstGeom>
+            <a:noFill/>
+          </p:spPr>
+          <p:txBody>
+            <a:bodyPr wrap="square" rtlCol="0">
+              <a:spAutoFit/>
+            </a:bodyPr>
+            <a:lstStyle/>
+            <a:p>
+              <a:r>
+                <a:rPr lang="de-DE" sz="2800" dirty="0" smtClean="0"/>
+                <a:t>E</a:t>
+              </a:r>
+              <a:endParaRPr lang="de-DE" sz="2800" dirty="0"/>
+            </a:p>
+          </p:txBody>
+        </p:sp>
+        <p:sp>
+          <p:nvSpPr>
+            <p:cNvPr id="18" name="Textfeld 17"/>
+            <p:cNvSpPr txBox="1"/>
+            <p:nvPr/>
+          </p:nvSpPr>
+          <p:spPr>
+            <a:xfrm>
+              <a:off x="4328548" y="1772816"/>
+              <a:ext cx="428628" cy="523220"/>
+            </a:xfrm>
+            <a:prstGeom prst="rect">
+              <a:avLst/>
+            </a:prstGeom>
+            <a:noFill/>
+          </p:spPr>
+          <p:txBody>
+            <a:bodyPr wrap="square" rtlCol="0">
+              <a:spAutoFit/>
+            </a:bodyPr>
+            <a:lstStyle/>
+            <a:p>
+              <a:r>
+                <a:rPr lang="de-DE" sz="2800" dirty="0" smtClean="0"/>
+                <a:t>H</a:t>
+              </a:r>
+              <a:endParaRPr lang="de-DE" sz="2800" dirty="0"/>
+            </a:p>
+          </p:txBody>
+        </p:sp>
+        <p:sp>
+          <p:nvSpPr>
+            <p:cNvPr id="19" name="Ellipse 18"/>
+            <p:cNvSpPr/>
+            <p:nvPr/>
+          </p:nvSpPr>
+          <p:spPr>
+            <a:xfrm>
+              <a:off x="4259395" y="5171494"/>
+              <a:ext cx="528474" cy="422018"/>
+            </a:xfrm>
+            <a:prstGeom prst="ellipse">
+              <a:avLst/>
+            </a:prstGeom>
+            <a:solidFill>
+              <a:schemeClr val="bg1"/>
+            </a:solidFill>
+            <a:ln>
+              <a:noFill/>
+            </a:ln>
+          </p:spPr>
+          <p:style>
+            <a:lnRef idx="2">
+              <a:schemeClr val="accent1">
+                <a:shade val="50000"/>
+              </a:schemeClr>
+            </a:lnRef>
+            <a:fillRef idx="1">
+              <a:schemeClr val="accent1"/>
+            </a:fillRef>
+            <a:effectRef idx="0">
+              <a:schemeClr val="accent1"/>
+            </a:effectRef>
+            <a:fontRef idx="minor">
+              <a:schemeClr val="lt1"/>
+            </a:fontRef>
+          </p:style>
+          <p:txBody>
+            <a:bodyPr rtlCol="0" anchor="ctr"/>
+            <a:lstStyle/>
+            <a:p>
+              <a:pPr algn="ctr"/>
+              <a:endParaRPr lang="de-DE"/>
+            </a:p>
+          </p:txBody>
+        </p:sp>
+        <p:sp>
+          <p:nvSpPr>
+            <p:cNvPr id="20" name="Textfeld 19"/>
+            <p:cNvSpPr txBox="1"/>
+            <p:nvPr/>
+          </p:nvSpPr>
+          <p:spPr>
+            <a:xfrm>
+              <a:off x="4340191" y="5104234"/>
+              <a:ext cx="428628" cy="523220"/>
+            </a:xfrm>
+            <a:prstGeom prst="rect">
+              <a:avLst/>
+            </a:prstGeom>
+            <a:noFill/>
+          </p:spPr>
+          <p:txBody>
+            <a:bodyPr wrap="square" rtlCol="0">
+              <a:spAutoFit/>
+            </a:bodyPr>
+            <a:lstStyle/>
+            <a:p>
+              <a:r>
+                <a:rPr lang="de-DE" sz="2800" dirty="0" smtClean="0"/>
+                <a:t>B</a:t>
+              </a:r>
+              <a:endParaRPr lang="de-DE" sz="2800" dirty="0"/>
+            </a:p>
+          </p:txBody>
+        </p:sp>
+        <p:sp>
+          <p:nvSpPr>
+            <p:cNvPr id="21" name="Textfeld 20"/>
+            <p:cNvSpPr txBox="1"/>
+            <p:nvPr/>
+          </p:nvSpPr>
+          <p:spPr>
+            <a:xfrm>
+              <a:off x="2430655" y="4209807"/>
+              <a:ext cx="1656184" cy="369332"/>
+            </a:xfrm>
+            <a:prstGeom prst="rect">
+              <a:avLst/>
+            </a:prstGeom>
+            <a:noFill/>
+          </p:spPr>
+          <p:txBody>
+            <a:bodyPr wrap="square" rtlCol="0">
+              <a:spAutoFit/>
+            </a:bodyPr>
+            <a:lstStyle/>
+            <a:p>
+              <a:r>
+                <a:rPr lang="de-DE" dirty="0" smtClean="0"/>
+                <a:t>So…</a:t>
+              </a:r>
+              <a:endParaRPr lang="de-DE" dirty="0"/>
+            </a:p>
+          </p:txBody>
+        </p:sp>
+        <p:sp>
+          <p:nvSpPr>
+            <p:cNvPr id="22" name="Textfeld 21"/>
+            <p:cNvSpPr txBox="1"/>
+            <p:nvPr/>
+          </p:nvSpPr>
+          <p:spPr>
+            <a:xfrm>
+              <a:off x="2358647" y="2780928"/>
+              <a:ext cx="1656184" cy="369332"/>
+            </a:xfrm>
+            <a:prstGeom prst="rect">
+              <a:avLst/>
+            </a:prstGeom>
+            <a:noFill/>
+          </p:spPr>
+          <p:txBody>
+            <a:bodyPr wrap="square" rtlCol="0">
+              <a:spAutoFit/>
+            </a:bodyPr>
+            <a:lstStyle/>
+            <a:p>
+              <a:r>
+                <a:rPr lang="de-DE" dirty="0" smtClean="0"/>
+                <a:t>…schlaf ich ein</a:t>
+              </a:r>
+              <a:endParaRPr lang="de-DE" dirty="0"/>
+            </a:p>
+          </p:txBody>
+        </p:sp>
+        <p:sp>
+          <p:nvSpPr>
+            <p:cNvPr id="23" name="Pfeil nach oben 22"/>
+            <p:cNvSpPr/>
+            <p:nvPr/>
+          </p:nvSpPr>
+          <p:spPr>
+            <a:xfrm>
+              <a:off x="2555776" y="3264801"/>
+              <a:ext cx="216024" cy="839314"/>
+            </a:xfrm>
+            <a:prstGeom prst="upArrow">
+              <a:avLst/>
+            </a:prstGeom>
+          </p:spPr>
+          <p:style>
+            <a:lnRef idx="2">
+              <a:schemeClr val="accent3">
+                <a:shade val="50000"/>
+              </a:schemeClr>
+            </a:lnRef>
+            <a:fillRef idx="1">
+              <a:schemeClr val="accent3"/>
+            </a:fillRef>
+            <a:effectRef idx="0">
+              <a:schemeClr val="accent3"/>
+            </a:effectRef>
+            <a:fontRef idx="minor">
+              <a:schemeClr val="lt1"/>
+            </a:fontRef>
+          </p:style>
+          <p:txBody>
+            <a:bodyPr rtlCol="0" anchor="ctr"/>
+            <a:lstStyle/>
+            <a:p>
+              <a:pPr algn="ctr"/>
+              <a:endParaRPr lang="de-DE"/>
+            </a:p>
+          </p:txBody>
+        </p:sp>
+        <p:cxnSp>
+          <p:nvCxnSpPr>
+            <p:cNvPr id="25" name="Gerader Verbinder 24"/>
+            <p:cNvCxnSpPr/>
+            <p:nvPr/>
+          </p:nvCxnSpPr>
+          <p:spPr>
+            <a:xfrm>
+              <a:off x="2358647" y="3150260"/>
+              <a:ext cx="1656184" cy="0"/>
+            </a:xfrm>
+            <a:prstGeom prst="line">
+              <a:avLst/>
+            </a:prstGeom>
+          </p:spPr>
+          <p:style>
+            <a:lnRef idx="1">
+              <a:schemeClr val="accent1"/>
+            </a:lnRef>
+            <a:fillRef idx="0">
+              <a:schemeClr val="accent1"/>
+            </a:fillRef>
+            <a:effectRef idx="0">
+              <a:schemeClr val="accent1"/>
+            </a:effectRef>
+            <a:fontRef idx="minor">
+              <a:schemeClr val="tx1"/>
+            </a:fontRef>
+          </p:style>
+        </p:cxnSp>
+        <p:cxnSp>
+          <p:nvCxnSpPr>
+            <p:cNvPr id="26" name="Gerader Verbinder 25"/>
+            <p:cNvCxnSpPr/>
+            <p:nvPr/>
+          </p:nvCxnSpPr>
+          <p:spPr>
+            <a:xfrm>
+              <a:off x="2339752" y="4581128"/>
+              <a:ext cx="1656184" cy="0"/>
+            </a:xfrm>
+            <a:prstGeom prst="line">
+              <a:avLst/>
+            </a:prstGeom>
+          </p:spPr>
+          <p:style>
+            <a:lnRef idx="1">
+              <a:schemeClr val="accent1"/>
+            </a:lnRef>
+            <a:fillRef idx="0">
+              <a:schemeClr val="accent1"/>
+            </a:fillRef>
+            <a:effectRef idx="0">
+              <a:schemeClr val="accent1"/>
+            </a:effectRef>
+            <a:fontRef idx="minor">
+              <a:schemeClr val="tx1"/>
+            </a:fontRef>
+          </p:style>
+        </p:cxnSp>
+        <p:sp>
+          <p:nvSpPr>
+            <p:cNvPr id="27" name="Textfeld 26"/>
+            <p:cNvSpPr txBox="1"/>
+            <p:nvPr/>
+          </p:nvSpPr>
+          <p:spPr>
+            <a:xfrm>
+              <a:off x="5166959" y="3777759"/>
+              <a:ext cx="1656184" cy="369332"/>
+            </a:xfrm>
+            <a:prstGeom prst="rect">
+              <a:avLst/>
+            </a:prstGeom>
+            <a:noFill/>
+          </p:spPr>
+          <p:txBody>
+            <a:bodyPr wrap="square" rtlCol="0">
+              <a:spAutoFit/>
+            </a:bodyPr>
+            <a:lstStyle/>
+            <a:p>
+              <a:r>
+                <a:rPr lang="de-DE" dirty="0" smtClean="0"/>
+                <a:t>So…</a:t>
+              </a:r>
+              <a:endParaRPr lang="de-DE" dirty="0"/>
+            </a:p>
+          </p:txBody>
+        </p:sp>
+        <p:sp>
+          <p:nvSpPr>
+            <p:cNvPr id="28" name="Textfeld 27"/>
+            <p:cNvSpPr txBox="1"/>
+            <p:nvPr/>
+          </p:nvSpPr>
+          <p:spPr>
+            <a:xfrm>
+              <a:off x="5094951" y="2348880"/>
+              <a:ext cx="1656184" cy="369332"/>
+            </a:xfrm>
+            <a:prstGeom prst="rect">
+              <a:avLst/>
+            </a:prstGeom>
+            <a:noFill/>
+          </p:spPr>
+          <p:txBody>
+            <a:bodyPr wrap="square" rtlCol="0">
+              <a:spAutoFit/>
+            </a:bodyPr>
+            <a:lstStyle/>
+            <a:p>
+              <a:r>
+                <a:rPr lang="de-DE" dirty="0" smtClean="0"/>
+                <a:t>…schlaf ich ein</a:t>
+              </a:r>
+              <a:endParaRPr lang="de-DE" dirty="0"/>
+            </a:p>
+          </p:txBody>
+        </p:sp>
+        <p:sp>
+          <p:nvSpPr>
+            <p:cNvPr id="29" name="Pfeil nach oben 28"/>
+            <p:cNvSpPr/>
+            <p:nvPr/>
+          </p:nvSpPr>
+          <p:spPr>
+            <a:xfrm>
+              <a:off x="5292080" y="2832753"/>
+              <a:ext cx="216024" cy="839314"/>
+            </a:xfrm>
+            <a:prstGeom prst="upArrow">
+              <a:avLst/>
+            </a:prstGeom>
+          </p:spPr>
+          <p:style>
+            <a:lnRef idx="2">
+              <a:schemeClr val="accent3">
+                <a:shade val="50000"/>
+              </a:schemeClr>
+            </a:lnRef>
+            <a:fillRef idx="1">
+              <a:schemeClr val="accent3"/>
+            </a:fillRef>
+            <a:effectRef idx="0">
+              <a:schemeClr val="accent3"/>
+            </a:effectRef>
+            <a:fontRef idx="minor">
+              <a:schemeClr val="lt1"/>
+            </a:fontRef>
+          </p:style>
+          <p:txBody>
+            <a:bodyPr rtlCol="0" anchor="ctr"/>
+            <a:lstStyle/>
+            <a:p>
+              <a:pPr algn="ctr"/>
+              <a:endParaRPr lang="de-DE"/>
+            </a:p>
+          </p:txBody>
+        </p:sp>
+        <p:cxnSp>
+          <p:nvCxnSpPr>
+            <p:cNvPr id="30" name="Gerader Verbinder 29"/>
+            <p:cNvCxnSpPr/>
+            <p:nvPr/>
+          </p:nvCxnSpPr>
+          <p:spPr>
+            <a:xfrm>
+              <a:off x="5094951" y="2718212"/>
+              <a:ext cx="1656184" cy="0"/>
+            </a:xfrm>
+            <a:prstGeom prst="line">
+              <a:avLst/>
+            </a:prstGeom>
+          </p:spPr>
+          <p:style>
+            <a:lnRef idx="1">
+              <a:schemeClr val="accent1"/>
+            </a:lnRef>
+            <a:fillRef idx="0">
+              <a:schemeClr val="accent1"/>
+            </a:fillRef>
+            <a:effectRef idx="0">
+              <a:schemeClr val="accent1"/>
+            </a:effectRef>
+            <a:fontRef idx="minor">
+              <a:schemeClr val="tx1"/>
+            </a:fontRef>
+          </p:style>
+        </p:cxnSp>
+        <p:cxnSp>
+          <p:nvCxnSpPr>
+            <p:cNvPr id="31" name="Gerader Verbinder 30"/>
+            <p:cNvCxnSpPr/>
+            <p:nvPr/>
+          </p:nvCxnSpPr>
+          <p:spPr>
+            <a:xfrm>
+              <a:off x="5076056" y="4149080"/>
+              <a:ext cx="1656184" cy="0"/>
+            </a:xfrm>
+            <a:prstGeom prst="line">
+              <a:avLst/>
+            </a:prstGeom>
+          </p:spPr>
+          <p:style>
+            <a:lnRef idx="1">
+              <a:schemeClr val="accent1"/>
+            </a:lnRef>
+            <a:fillRef idx="0">
+              <a:schemeClr val="accent1"/>
+            </a:fillRef>
+            <a:effectRef idx="0">
+              <a:schemeClr val="accent1"/>
+            </a:effectRef>
+            <a:fontRef idx="minor">
+              <a:schemeClr val="tx1"/>
+            </a:fontRef>
+          </p:style>
+        </p:cxnSp>
+      </p:grpSp>
+    </p:spTree>
+    <p:extLst>
+      <p:ext uri="{BB962C8B-B14F-4D97-AF65-F5344CB8AC3E}">
+        <p14:creationId xmlns:p14="http://schemas.microsoft.com/office/powerpoint/2010/main" val="917660917"/>
+      </p:ext>
+    </p:extLst>
+  </p:cSld>
+  <p:clrMapOvr>
+    <a:masterClrMapping/>
+  </p:clrMapOvr>
+</p:sld>
+</file>
+
+<file path=ppt/slides/slide6.xml><?xml version="1.0" encoding="utf-8"?>
+<p:sld xmlns:a="http://schemas.openxmlformats.org/drawingml/2006/main" xmlns:r="http://schemas.openxmlformats.org/officeDocument/2006/relationships" xmlns:p="http://schemas.openxmlformats.org/presentationml/2006/main">
+  <p:cSld>
+    <p:spTree>
+      <p:nvGrpSpPr>
+        <p:cNvPr id="1" name=""/>
+        <p:cNvGrpSpPr/>
+        <p:nvPr/>
+      </p:nvGrpSpPr>
+      <p:grpSpPr>
+        <a:xfrm>
+          <a:off x="0" y="0"/>
+          <a:ext cx="0" cy="0"/>
+          <a:chOff x="0" y="0"/>
+          <a:chExt cx="0" cy="0"/>
+        </a:xfrm>
+      </p:grpSpPr>
+      <p:grpSp>
+        <p:nvGrpSpPr>
+          <p:cNvPr id="2" name="Gruppieren 1"/>
+          <p:cNvGrpSpPr/>
+          <p:nvPr/>
+        </p:nvGrpSpPr>
+        <p:grpSpPr>
+          <a:xfrm>
+            <a:off x="4034823" y="711753"/>
+            <a:ext cx="2788320" cy="5381543"/>
+            <a:chOff x="4034823" y="338918"/>
+            <a:chExt cx="2788320" cy="5381543"/>
+          </a:xfrm>
+        </p:grpSpPr>
+        <p:pic>
+          <p:nvPicPr>
+            <p:cNvPr id="4" name="Grafik 3"/>
+            <p:cNvPicPr>
+              <a:picLocks noChangeAspect="1"/>
+            </p:cNvPicPr>
+            <p:nvPr/>
+          </p:nvPicPr>
+          <p:blipFill rotWithShape="1">
+            <a:blip r:embed="rId3" cstate="print">
+              <a:extLst>
+                <a:ext uri="{28A0092B-C50C-407E-A947-70E740481C1C}">
+                  <a14:useLocalDpi xmlns:a14="http://schemas.microsoft.com/office/drawing/2010/main" val="0"/>
+                </a:ext>
+              </a:extLst>
+            </a:blip>
+            <a:srcRect t="21529"/>
+            <a:stretch/>
+          </p:blipFill>
+          <p:spPr>
+            <a:xfrm>
+              <a:off x="4034823" y="338918"/>
+              <a:ext cx="969225" cy="5381543"/>
+            </a:xfrm>
+            <a:prstGeom prst="rect">
+              <a:avLst/>
+            </a:prstGeom>
+          </p:spPr>
+        </p:pic>
+        <p:sp>
+          <p:nvSpPr>
+            <p:cNvPr id="7" name="Ellipse 6"/>
+            <p:cNvSpPr/>
+            <p:nvPr/>
+          </p:nvSpPr>
+          <p:spPr>
+            <a:xfrm>
+              <a:off x="4183363" y="4200905"/>
+              <a:ext cx="703398" cy="383653"/>
+            </a:xfrm>
+            <a:prstGeom prst="ellipse">
+              <a:avLst/>
+            </a:prstGeom>
+            <a:solidFill>
+              <a:schemeClr val="bg1"/>
+            </a:solidFill>
+            <a:ln>
+              <a:noFill/>
+            </a:ln>
+          </p:spPr>
+          <p:style>
+            <a:lnRef idx="2">
+              <a:schemeClr val="accent1">
+                <a:shade val="50000"/>
+              </a:schemeClr>
+            </a:lnRef>
+            <a:fillRef idx="1">
+              <a:schemeClr val="accent1"/>
+            </a:fillRef>
+            <a:effectRef idx="0">
+              <a:schemeClr val="accent1"/>
+            </a:effectRef>
+            <a:fontRef idx="minor">
+              <a:schemeClr val="lt1"/>
+            </a:fontRef>
+          </p:style>
+          <p:txBody>
+            <a:bodyPr rtlCol="0" anchor="ctr"/>
+            <a:lstStyle/>
+            <a:p>
+              <a:pPr algn="ctr"/>
+              <a:endParaRPr lang="de-DE"/>
+            </a:p>
+          </p:txBody>
+        </p:sp>
+        <p:sp>
+          <p:nvSpPr>
+            <p:cNvPr id="8" name="Ellipse 7"/>
+            <p:cNvSpPr/>
+            <p:nvPr/>
+          </p:nvSpPr>
+          <p:spPr>
+            <a:xfrm>
+              <a:off x="4278445" y="3720462"/>
+              <a:ext cx="528474" cy="383653"/>
+            </a:xfrm>
+            <a:prstGeom prst="ellipse">
+              <a:avLst/>
+            </a:prstGeom>
+            <a:solidFill>
+              <a:schemeClr val="bg1"/>
+            </a:solidFill>
+            <a:ln>
+              <a:noFill/>
+            </a:ln>
+          </p:spPr>
+          <p:style>
+            <a:lnRef idx="2">
+              <a:schemeClr val="accent1">
+                <a:shade val="50000"/>
+              </a:schemeClr>
+            </a:lnRef>
+            <a:fillRef idx="1">
+              <a:schemeClr val="accent1"/>
+            </a:fillRef>
+            <a:effectRef idx="0">
+              <a:schemeClr val="accent1"/>
+            </a:effectRef>
+            <a:fontRef idx="minor">
+              <a:schemeClr val="lt1"/>
+            </a:fontRef>
+          </p:style>
+          <p:txBody>
+            <a:bodyPr rtlCol="0" anchor="ctr"/>
+            <a:lstStyle/>
+            <a:p>
+              <a:pPr algn="ctr"/>
+              <a:endParaRPr lang="de-DE"/>
+            </a:p>
+          </p:txBody>
+        </p:sp>
+        <p:sp>
+          <p:nvSpPr>
+            <p:cNvPr id="9" name="Ellipse 8"/>
+            <p:cNvSpPr/>
+            <p:nvPr/>
+          </p:nvSpPr>
+          <p:spPr>
+            <a:xfrm>
+              <a:off x="4264763" y="3264801"/>
+              <a:ext cx="528474" cy="383653"/>
+            </a:xfrm>
+            <a:prstGeom prst="ellipse">
+              <a:avLst/>
+            </a:prstGeom>
+            <a:solidFill>
+              <a:schemeClr val="bg1"/>
+            </a:solidFill>
+            <a:ln>
+              <a:noFill/>
+            </a:ln>
+          </p:spPr>
+          <p:style>
+            <a:lnRef idx="2">
+              <a:schemeClr val="accent1">
+                <a:shade val="50000"/>
+              </a:schemeClr>
+            </a:lnRef>
+            <a:fillRef idx="1">
+              <a:schemeClr val="accent1"/>
+            </a:fillRef>
+            <a:effectRef idx="0">
+              <a:schemeClr val="accent1"/>
+            </a:effectRef>
+            <a:fontRef idx="minor">
+              <a:schemeClr val="lt1"/>
+            </a:fontRef>
+          </p:style>
+          <p:txBody>
+            <a:bodyPr rtlCol="0" anchor="ctr"/>
+            <a:lstStyle/>
+            <a:p>
+              <a:pPr algn="ctr"/>
+              <a:endParaRPr lang="de-DE"/>
+            </a:p>
+          </p:txBody>
+        </p:sp>
+        <p:sp>
+          <p:nvSpPr>
+            <p:cNvPr id="10" name="Ellipse 9"/>
+            <p:cNvSpPr/>
+            <p:nvPr/>
+          </p:nvSpPr>
+          <p:spPr>
+            <a:xfrm>
+              <a:off x="4261335" y="2784358"/>
+              <a:ext cx="528474" cy="383653"/>
+            </a:xfrm>
+            <a:prstGeom prst="ellipse">
+              <a:avLst/>
+            </a:prstGeom>
+            <a:solidFill>
+              <a:schemeClr val="bg1"/>
+            </a:solidFill>
+            <a:ln>
+              <a:noFill/>
+            </a:ln>
+          </p:spPr>
+          <p:style>
+            <a:lnRef idx="2">
+              <a:schemeClr val="accent1">
+                <a:shade val="50000"/>
+              </a:schemeClr>
+            </a:lnRef>
+            <a:fillRef idx="1">
+              <a:schemeClr val="accent1"/>
+            </a:fillRef>
+            <a:effectRef idx="0">
+              <a:schemeClr val="accent1"/>
+            </a:effectRef>
+            <a:fontRef idx="minor">
+              <a:schemeClr val="lt1"/>
+            </a:fontRef>
+          </p:style>
+          <p:txBody>
+            <a:bodyPr rtlCol="0" anchor="ctr"/>
+            <a:lstStyle/>
+            <a:p>
+              <a:pPr algn="ctr"/>
+              <a:endParaRPr lang="de-DE"/>
+            </a:p>
+          </p:txBody>
+        </p:sp>
+        <p:sp>
+          <p:nvSpPr>
+            <p:cNvPr id="11" name="Ellipse 10"/>
+            <p:cNvSpPr/>
+            <p:nvPr/>
+          </p:nvSpPr>
+          <p:spPr>
+            <a:xfrm>
+              <a:off x="4261335" y="2352310"/>
+              <a:ext cx="528474" cy="383653"/>
+            </a:xfrm>
+            <a:prstGeom prst="ellipse">
+              <a:avLst/>
+            </a:prstGeom>
+            <a:solidFill>
+              <a:schemeClr val="bg1"/>
+            </a:solidFill>
+            <a:ln>
+              <a:noFill/>
+            </a:ln>
+          </p:spPr>
+          <p:style>
+            <a:lnRef idx="2">
+              <a:schemeClr val="accent1">
+                <a:shade val="50000"/>
+              </a:schemeClr>
+            </a:lnRef>
+            <a:fillRef idx="1">
+              <a:schemeClr val="accent1"/>
+            </a:fillRef>
+            <a:effectRef idx="0">
+              <a:schemeClr val="accent1"/>
+            </a:effectRef>
+            <a:fontRef idx="minor">
+              <a:schemeClr val="lt1"/>
+            </a:fontRef>
+          </p:style>
+          <p:txBody>
+            <a:bodyPr rtlCol="0" anchor="ctr"/>
+            <a:lstStyle/>
+            <a:p>
+              <a:pPr algn="ctr"/>
+              <a:endParaRPr lang="de-DE"/>
+            </a:p>
+          </p:txBody>
+        </p:sp>
+        <p:sp>
+          <p:nvSpPr>
+            <p:cNvPr id="12" name="Ellipse 11"/>
+            <p:cNvSpPr/>
+            <p:nvPr/>
+          </p:nvSpPr>
+          <p:spPr>
+            <a:xfrm>
+              <a:off x="4261335" y="1848254"/>
+              <a:ext cx="528474" cy="383653"/>
+            </a:xfrm>
+            <a:prstGeom prst="ellipse">
+              <a:avLst/>
+            </a:prstGeom>
+            <a:solidFill>
+              <a:schemeClr val="bg1"/>
+            </a:solidFill>
+            <a:ln>
+              <a:noFill/>
+            </a:ln>
+          </p:spPr>
+          <p:style>
+            <a:lnRef idx="2">
+              <a:schemeClr val="accent1">
+                <a:shade val="50000"/>
+              </a:schemeClr>
+            </a:lnRef>
+            <a:fillRef idx="1">
+              <a:schemeClr val="accent1"/>
+            </a:fillRef>
+            <a:effectRef idx="0">
+              <a:schemeClr val="accent1"/>
+            </a:effectRef>
+            <a:fontRef idx="minor">
+              <a:schemeClr val="lt1"/>
+            </a:fontRef>
+          </p:style>
+          <p:txBody>
+            <a:bodyPr rtlCol="0" anchor="ctr"/>
+            <a:lstStyle/>
+            <a:p>
+              <a:pPr algn="ctr"/>
+              <a:endParaRPr lang="de-DE"/>
+            </a:p>
+          </p:txBody>
+        </p:sp>
+        <p:sp>
+          <p:nvSpPr>
+            <p:cNvPr id="15" name="Textfeld 14"/>
+            <p:cNvSpPr txBox="1"/>
+            <p:nvPr/>
+          </p:nvSpPr>
+          <p:spPr>
+            <a:xfrm>
+              <a:off x="4287970" y="3189342"/>
+              <a:ext cx="510877" cy="523220"/>
+            </a:xfrm>
+            <a:prstGeom prst="rect">
+              <a:avLst/>
+            </a:prstGeom>
+            <a:noFill/>
+          </p:spPr>
+          <p:txBody>
+            <a:bodyPr wrap="square" rtlCol="0">
+              <a:spAutoFit/>
+            </a:bodyPr>
+            <a:lstStyle/>
+            <a:p>
+              <a:r>
+                <a:rPr lang="de-DE" sz="2800" dirty="0" smtClean="0"/>
+                <a:t>Es</a:t>
+              </a:r>
+              <a:endParaRPr lang="de-DE" sz="2800" dirty="0"/>
+            </a:p>
+          </p:txBody>
+        </p:sp>
+        <p:sp>
+          <p:nvSpPr>
+            <p:cNvPr id="16" name="Textfeld 15"/>
+            <p:cNvSpPr txBox="1"/>
+            <p:nvPr/>
+          </p:nvSpPr>
+          <p:spPr>
+            <a:xfrm>
+              <a:off x="4341238" y="2706226"/>
+              <a:ext cx="428628" cy="523220"/>
+            </a:xfrm>
+            <a:prstGeom prst="rect">
+              <a:avLst/>
+            </a:prstGeom>
+            <a:noFill/>
+          </p:spPr>
+          <p:txBody>
+            <a:bodyPr wrap="square" rtlCol="0">
+              <a:spAutoFit/>
+            </a:bodyPr>
+            <a:lstStyle/>
+            <a:p>
+              <a:r>
+                <a:rPr lang="de-DE" sz="2800" dirty="0"/>
+                <a:t>B</a:t>
+              </a:r>
+              <a:endParaRPr lang="de-DE" sz="2800" dirty="0"/>
+            </a:p>
+          </p:txBody>
+        </p:sp>
+        <p:sp>
+          <p:nvSpPr>
+            <p:cNvPr id="17" name="Textfeld 16"/>
+            <p:cNvSpPr txBox="1"/>
+            <p:nvPr/>
+          </p:nvSpPr>
+          <p:spPr>
+            <a:xfrm>
+              <a:off x="4334846" y="2262390"/>
+              <a:ext cx="428628" cy="523220"/>
+            </a:xfrm>
+            <a:prstGeom prst="rect">
+              <a:avLst/>
+            </a:prstGeom>
+            <a:noFill/>
+          </p:spPr>
+          <p:txBody>
+            <a:bodyPr wrap="square" rtlCol="0">
+              <a:spAutoFit/>
+            </a:bodyPr>
+            <a:lstStyle/>
+            <a:p>
+              <a:r>
+                <a:rPr lang="de-DE" sz="2800" dirty="0"/>
+                <a:t>F</a:t>
+              </a:r>
+              <a:endParaRPr lang="de-DE" sz="2800" dirty="0"/>
+            </a:p>
+          </p:txBody>
+        </p:sp>
+        <p:sp>
+          <p:nvSpPr>
+            <p:cNvPr id="18" name="Textfeld 17"/>
+            <p:cNvSpPr txBox="1"/>
+            <p:nvPr/>
+          </p:nvSpPr>
+          <p:spPr>
+            <a:xfrm>
+              <a:off x="4328548" y="1772816"/>
+              <a:ext cx="428628" cy="523220"/>
+            </a:xfrm>
+            <a:prstGeom prst="rect">
+              <a:avLst/>
+            </a:prstGeom>
+            <a:noFill/>
+          </p:spPr>
+          <p:txBody>
+            <a:bodyPr wrap="square" rtlCol="0">
+              <a:spAutoFit/>
+            </a:bodyPr>
+            <a:lstStyle/>
+            <a:p>
+              <a:r>
+                <a:rPr lang="de-DE" sz="2800" dirty="0"/>
+                <a:t>C</a:t>
+              </a:r>
+              <a:endParaRPr lang="de-DE" sz="2800" dirty="0"/>
+            </a:p>
+          </p:txBody>
+        </p:sp>
+        <p:sp>
+          <p:nvSpPr>
+            <p:cNvPr id="27" name="Textfeld 26"/>
+            <p:cNvSpPr txBox="1"/>
+            <p:nvPr/>
+          </p:nvSpPr>
+          <p:spPr>
+            <a:xfrm>
+              <a:off x="5166959" y="4725144"/>
+              <a:ext cx="1656184" cy="369332"/>
+            </a:xfrm>
+            <a:prstGeom prst="rect">
+              <a:avLst/>
+            </a:prstGeom>
+            <a:noFill/>
+          </p:spPr>
+          <p:txBody>
+            <a:bodyPr wrap="square" rtlCol="0">
+              <a:spAutoFit/>
+            </a:bodyPr>
+            <a:lstStyle/>
+            <a:p>
+              <a:r>
+                <a:rPr lang="de-DE" dirty="0" smtClean="0"/>
+                <a:t>B-Teil</a:t>
+              </a:r>
+              <a:endParaRPr lang="de-DE" dirty="0"/>
+            </a:p>
+          </p:txBody>
+        </p:sp>
+        <p:sp>
+          <p:nvSpPr>
+            <p:cNvPr id="28" name="Textfeld 27"/>
+            <p:cNvSpPr txBox="1"/>
+            <p:nvPr/>
+          </p:nvSpPr>
+          <p:spPr>
+            <a:xfrm>
+              <a:off x="5094951" y="2771636"/>
+              <a:ext cx="1656184" cy="369333"/>
+            </a:xfrm>
+            <a:prstGeom prst="rect">
+              <a:avLst/>
+            </a:prstGeom>
+            <a:noFill/>
+          </p:spPr>
+          <p:txBody>
+            <a:bodyPr wrap="square" rtlCol="0">
+              <a:spAutoFit/>
+            </a:bodyPr>
+            <a:lstStyle/>
+            <a:p>
+              <a:r>
+                <a:rPr lang="de-DE" dirty="0" smtClean="0"/>
+                <a:t>A-Teil</a:t>
+              </a:r>
+              <a:endParaRPr lang="de-DE" dirty="0"/>
+            </a:p>
+          </p:txBody>
+        </p:sp>
+        <p:sp>
+          <p:nvSpPr>
+            <p:cNvPr id="29" name="Pfeil nach oben 28"/>
+            <p:cNvSpPr/>
+            <p:nvPr/>
+          </p:nvSpPr>
+          <p:spPr>
+            <a:xfrm flipV="1">
+              <a:off x="5292080" y="3316734"/>
+              <a:ext cx="216024" cy="1358219"/>
+            </a:xfrm>
+            <a:prstGeom prst="upArrow">
+              <a:avLst/>
+            </a:prstGeom>
+          </p:spPr>
+          <p:style>
+            <a:lnRef idx="2">
+              <a:schemeClr val="accent2">
+                <a:shade val="50000"/>
+              </a:schemeClr>
+            </a:lnRef>
+            <a:fillRef idx="1">
+              <a:schemeClr val="accent2"/>
+            </a:fillRef>
+            <a:effectRef idx="0">
+              <a:schemeClr val="accent2"/>
+            </a:effectRef>
+            <a:fontRef idx="minor">
+              <a:schemeClr val="lt1"/>
+            </a:fontRef>
+          </p:style>
+          <p:txBody>
+            <a:bodyPr rtlCol="0" anchor="ctr"/>
+            <a:lstStyle/>
+            <a:p>
+              <a:pPr algn="ctr"/>
+              <a:endParaRPr lang="de-DE"/>
+            </a:p>
+          </p:txBody>
+        </p:sp>
+        <p:cxnSp>
+          <p:nvCxnSpPr>
+            <p:cNvPr id="30" name="Gerader Verbinder 29"/>
+            <p:cNvCxnSpPr/>
+            <p:nvPr/>
+          </p:nvCxnSpPr>
+          <p:spPr>
+            <a:xfrm>
+              <a:off x="5094951" y="3140968"/>
+              <a:ext cx="1656184" cy="0"/>
+            </a:xfrm>
+            <a:prstGeom prst="line">
+              <a:avLst/>
+            </a:prstGeom>
+          </p:spPr>
+          <p:style>
+            <a:lnRef idx="1">
+              <a:schemeClr val="accent1"/>
+            </a:lnRef>
+            <a:fillRef idx="0">
+              <a:schemeClr val="accent1"/>
+            </a:fillRef>
+            <a:effectRef idx="0">
+              <a:schemeClr val="accent1"/>
+            </a:effectRef>
+            <a:fontRef idx="minor">
+              <a:schemeClr val="tx1"/>
+            </a:fontRef>
+          </p:style>
+        </p:cxnSp>
+        <p:cxnSp>
+          <p:nvCxnSpPr>
+            <p:cNvPr id="31" name="Gerader Verbinder 30"/>
+            <p:cNvCxnSpPr/>
+            <p:nvPr/>
+          </p:nvCxnSpPr>
+          <p:spPr>
+            <a:xfrm>
+              <a:off x="5076056" y="5096465"/>
+              <a:ext cx="1656184" cy="0"/>
+            </a:xfrm>
+            <a:prstGeom prst="line">
+              <a:avLst/>
+            </a:prstGeom>
+          </p:spPr>
+          <p:style>
+            <a:lnRef idx="1">
+              <a:schemeClr val="accent1"/>
+            </a:lnRef>
+            <a:fillRef idx="0">
+              <a:schemeClr val="accent1"/>
+            </a:fillRef>
+            <a:effectRef idx="0">
+              <a:schemeClr val="accent1"/>
+            </a:effectRef>
+            <a:fontRef idx="minor">
+              <a:schemeClr val="tx1"/>
+            </a:fontRef>
+          </p:style>
+        </p:cxnSp>
+        <p:sp>
+          <p:nvSpPr>
+            <p:cNvPr id="33" name="Textfeld 32"/>
+            <p:cNvSpPr txBox="1"/>
+            <p:nvPr/>
+          </p:nvSpPr>
+          <p:spPr>
+            <a:xfrm>
+              <a:off x="4279960" y="3634264"/>
+              <a:ext cx="681221" cy="523220"/>
+            </a:xfrm>
+            <a:prstGeom prst="rect">
+              <a:avLst/>
+            </a:prstGeom>
+            <a:noFill/>
+          </p:spPr>
+          <p:txBody>
+            <a:bodyPr wrap="square" rtlCol="0">
+              <a:spAutoFit/>
+            </a:bodyPr>
+            <a:lstStyle/>
+            <a:p>
+              <a:r>
+                <a:rPr lang="de-DE" sz="2800" dirty="0" smtClean="0"/>
+                <a:t>As</a:t>
+              </a:r>
+              <a:endParaRPr lang="de-DE" sz="2800" dirty="0"/>
+            </a:p>
+          </p:txBody>
+        </p:sp>
+        <p:sp>
+          <p:nvSpPr>
+            <p:cNvPr id="34" name="Textfeld 33"/>
+            <p:cNvSpPr txBox="1"/>
+            <p:nvPr/>
+          </p:nvSpPr>
+          <p:spPr>
+            <a:xfrm>
+              <a:off x="4168530" y="4119666"/>
+              <a:ext cx="769347" cy="523220"/>
+            </a:xfrm>
+            <a:prstGeom prst="rect">
+              <a:avLst/>
+            </a:prstGeom>
+            <a:noFill/>
+          </p:spPr>
+          <p:txBody>
+            <a:bodyPr wrap="square" rtlCol="0">
+              <a:spAutoFit/>
+            </a:bodyPr>
+            <a:lstStyle/>
+            <a:p>
+              <a:r>
+                <a:rPr lang="de-DE" sz="2800" dirty="0" smtClean="0"/>
+                <a:t>Des</a:t>
+              </a:r>
+              <a:endParaRPr lang="de-DE" sz="2800" dirty="0"/>
+            </a:p>
+          </p:txBody>
+        </p:sp>
+        <p:sp>
+          <p:nvSpPr>
+            <p:cNvPr id="35" name="Ellipse 34"/>
+            <p:cNvSpPr/>
+            <p:nvPr/>
+          </p:nvSpPr>
+          <p:spPr>
+            <a:xfrm>
+              <a:off x="4177526" y="4715211"/>
+              <a:ext cx="703398" cy="383653"/>
+            </a:xfrm>
+            <a:prstGeom prst="ellipse">
+              <a:avLst/>
+            </a:prstGeom>
+            <a:solidFill>
+              <a:schemeClr val="bg1"/>
+            </a:solidFill>
+            <a:ln>
+              <a:noFill/>
+            </a:ln>
+          </p:spPr>
+          <p:style>
+            <a:lnRef idx="2">
+              <a:schemeClr val="accent1">
+                <a:shade val="50000"/>
+              </a:schemeClr>
+            </a:lnRef>
+            <a:fillRef idx="1">
+              <a:schemeClr val="accent1"/>
+            </a:fillRef>
+            <a:effectRef idx="0">
+              <a:schemeClr val="accent1"/>
+            </a:effectRef>
+            <a:fontRef idx="minor">
+              <a:schemeClr val="lt1"/>
+            </a:fontRef>
+          </p:style>
+          <p:txBody>
+            <a:bodyPr rtlCol="0" anchor="ctr"/>
+            <a:lstStyle/>
+            <a:p>
+              <a:pPr algn="ctr"/>
+              <a:endParaRPr lang="de-DE"/>
+            </a:p>
+          </p:txBody>
+        </p:sp>
+        <p:sp>
+          <p:nvSpPr>
+            <p:cNvPr id="36" name="Textfeld 35"/>
+            <p:cNvSpPr txBox="1"/>
+            <p:nvPr/>
+          </p:nvSpPr>
+          <p:spPr>
+            <a:xfrm>
+              <a:off x="4162693" y="4633972"/>
+              <a:ext cx="769347" cy="523220"/>
+            </a:xfrm>
+            <a:prstGeom prst="rect">
+              <a:avLst/>
+            </a:prstGeom>
+            <a:noFill/>
+          </p:spPr>
+          <p:txBody>
+            <a:bodyPr wrap="square" rtlCol="0">
+              <a:spAutoFit/>
+            </a:bodyPr>
+            <a:lstStyle/>
+            <a:p>
+              <a:r>
+                <a:rPr lang="de-DE" sz="2800" dirty="0"/>
+                <a:t>G</a:t>
+              </a:r>
+              <a:r>
+                <a:rPr lang="de-DE" sz="2800" dirty="0" smtClean="0"/>
+                <a:t>es</a:t>
+              </a:r>
+              <a:endParaRPr lang="de-DE" sz="2800" dirty="0"/>
+            </a:p>
+          </p:txBody>
+        </p:sp>
+        <p:sp>
+          <p:nvSpPr>
+            <p:cNvPr id="37" name="Ellipse 36"/>
+            <p:cNvSpPr/>
+            <p:nvPr/>
+          </p:nvSpPr>
+          <p:spPr>
+            <a:xfrm>
+              <a:off x="4177526" y="5199764"/>
+              <a:ext cx="703398" cy="383653"/>
+            </a:xfrm>
+            <a:prstGeom prst="ellipse">
+              <a:avLst/>
+            </a:prstGeom>
+            <a:solidFill>
+              <a:schemeClr val="bg1"/>
+            </a:solidFill>
+            <a:ln>
+              <a:noFill/>
+            </a:ln>
+          </p:spPr>
+          <p:style>
+            <a:lnRef idx="2">
+              <a:schemeClr val="accent1">
+                <a:shade val="50000"/>
+              </a:schemeClr>
+            </a:lnRef>
+            <a:fillRef idx="1">
+              <a:schemeClr val="accent1"/>
+            </a:fillRef>
+            <a:effectRef idx="0">
+              <a:schemeClr val="accent1"/>
+            </a:effectRef>
+            <a:fontRef idx="minor">
+              <a:schemeClr val="lt1"/>
+            </a:fontRef>
+          </p:style>
+          <p:txBody>
+            <a:bodyPr rtlCol="0" anchor="ctr"/>
+            <a:lstStyle/>
+            <a:p>
+              <a:pPr algn="ctr"/>
+              <a:endParaRPr lang="de-DE"/>
+            </a:p>
+          </p:txBody>
+        </p:sp>
+        <p:sp>
+          <p:nvSpPr>
+            <p:cNvPr id="38" name="Textfeld 37"/>
+            <p:cNvSpPr txBox="1"/>
+            <p:nvPr/>
+          </p:nvSpPr>
+          <p:spPr>
+            <a:xfrm>
+              <a:off x="4162693" y="5118525"/>
+              <a:ext cx="769347" cy="523221"/>
+            </a:xfrm>
+            <a:prstGeom prst="rect">
+              <a:avLst/>
+            </a:prstGeom>
+            <a:noFill/>
+          </p:spPr>
+          <p:txBody>
+            <a:bodyPr wrap="square" rtlCol="0">
+              <a:spAutoFit/>
+            </a:bodyPr>
+            <a:lstStyle/>
+            <a:p>
+              <a:r>
+                <a:rPr lang="de-DE" sz="2800" dirty="0"/>
+                <a:t>C</a:t>
+              </a:r>
+              <a:r>
+                <a:rPr lang="de-DE" sz="2800" dirty="0" smtClean="0"/>
+                <a:t>es</a:t>
+              </a:r>
+              <a:endParaRPr lang="de-DE" sz="2800" dirty="0"/>
+            </a:p>
+          </p:txBody>
+        </p:sp>
+      </p:grpSp>
+    </p:spTree>
+    <p:extLst>
+      <p:ext uri="{BB962C8B-B14F-4D97-AF65-F5344CB8AC3E}">
+        <p14:creationId xmlns:p14="http://schemas.microsoft.com/office/powerpoint/2010/main" val="2148171492"/>
       </p:ext>
     </p:extLst>
   </p:cSld>

--- a/src/content/tutorials/quintenzirkel/materialien/Abbildungen-Quintenzirkel.pptx
+++ b/src/content/tutorials/quintenzirkel/materialien/Abbildungen-Quintenzirkel.pptx
@@ -214,7 +214,7 @@
             <a:fld id="{11100C80-1096-4AF9-90FF-AB2299A7BB81}" type="datetimeFigureOut">
               <a:rPr lang="de-DE" smtClean="0"/>
               <a:pPr/>
-              <a:t>02.10.2017</a:t>
+              <a:t>17.12.2020</a:t>
             </a:fld>
             <a:endParaRPr lang="de-DE"/>
           </a:p>
@@ -832,7 +832,7 @@
             <a:fld id="{62DDE5E2-8159-4466-814F-B4B3A43FBB48}" type="datetimeFigureOut">
               <a:rPr lang="de-DE" smtClean="0"/>
               <a:pPr/>
-              <a:t>02.10.2017</a:t>
+              <a:t>17.12.2020</a:t>
             </a:fld>
             <a:endParaRPr lang="de-DE"/>
           </a:p>
@@ -999,7 +999,7 @@
             <a:fld id="{62DDE5E2-8159-4466-814F-B4B3A43FBB48}" type="datetimeFigureOut">
               <a:rPr lang="de-DE" smtClean="0"/>
               <a:pPr/>
-              <a:t>02.10.2017</a:t>
+              <a:t>17.12.2020</a:t>
             </a:fld>
             <a:endParaRPr lang="de-DE"/>
           </a:p>
@@ -1176,7 +1176,7 @@
             <a:fld id="{62DDE5E2-8159-4466-814F-B4B3A43FBB48}" type="datetimeFigureOut">
               <a:rPr lang="de-DE" smtClean="0"/>
               <a:pPr/>
-              <a:t>02.10.2017</a:t>
+              <a:t>17.12.2020</a:t>
             </a:fld>
             <a:endParaRPr lang="de-DE"/>
           </a:p>
@@ -1343,7 +1343,7 @@
             <a:fld id="{62DDE5E2-8159-4466-814F-B4B3A43FBB48}" type="datetimeFigureOut">
               <a:rPr lang="de-DE" smtClean="0"/>
               <a:pPr/>
-              <a:t>02.10.2017</a:t>
+              <a:t>17.12.2020</a:t>
             </a:fld>
             <a:endParaRPr lang="de-DE"/>
           </a:p>
@@ -1586,7 +1586,7 @@
             <a:fld id="{62DDE5E2-8159-4466-814F-B4B3A43FBB48}" type="datetimeFigureOut">
               <a:rPr lang="de-DE" smtClean="0"/>
               <a:pPr/>
-              <a:t>02.10.2017</a:t>
+              <a:t>17.12.2020</a:t>
             </a:fld>
             <a:endParaRPr lang="de-DE"/>
           </a:p>
@@ -1871,7 +1871,7 @@
             <a:fld id="{62DDE5E2-8159-4466-814F-B4B3A43FBB48}" type="datetimeFigureOut">
               <a:rPr lang="de-DE" smtClean="0"/>
               <a:pPr/>
-              <a:t>02.10.2017</a:t>
+              <a:t>17.12.2020</a:t>
             </a:fld>
             <a:endParaRPr lang="de-DE"/>
           </a:p>
@@ -2290,7 +2290,7 @@
             <a:fld id="{62DDE5E2-8159-4466-814F-B4B3A43FBB48}" type="datetimeFigureOut">
               <a:rPr lang="de-DE" smtClean="0"/>
               <a:pPr/>
-              <a:t>02.10.2017</a:t>
+              <a:t>17.12.2020</a:t>
             </a:fld>
             <a:endParaRPr lang="de-DE"/>
           </a:p>
@@ -2405,7 +2405,7 @@
             <a:fld id="{62DDE5E2-8159-4466-814F-B4B3A43FBB48}" type="datetimeFigureOut">
               <a:rPr lang="de-DE" smtClean="0"/>
               <a:pPr/>
-              <a:t>02.10.2017</a:t>
+              <a:t>17.12.2020</a:t>
             </a:fld>
             <a:endParaRPr lang="de-DE"/>
           </a:p>
@@ -2497,7 +2497,7 @@
             <a:fld id="{62DDE5E2-8159-4466-814F-B4B3A43FBB48}" type="datetimeFigureOut">
               <a:rPr lang="de-DE" smtClean="0"/>
               <a:pPr/>
-              <a:t>02.10.2017</a:t>
+              <a:t>17.12.2020</a:t>
             </a:fld>
             <a:endParaRPr lang="de-DE"/>
           </a:p>
@@ -2771,7 +2771,7 @@
             <a:fld id="{62DDE5E2-8159-4466-814F-B4B3A43FBB48}" type="datetimeFigureOut">
               <a:rPr lang="de-DE" smtClean="0"/>
               <a:pPr/>
-              <a:t>02.10.2017</a:t>
+              <a:t>17.12.2020</a:t>
             </a:fld>
             <a:endParaRPr lang="de-DE"/>
           </a:p>
@@ -3021,7 +3021,7 @@
             <a:fld id="{62DDE5E2-8159-4466-814F-B4B3A43FBB48}" type="datetimeFigureOut">
               <a:rPr lang="de-DE" smtClean="0"/>
               <a:pPr/>
-              <a:t>02.10.2017</a:t>
+              <a:t>17.12.2020</a:t>
             </a:fld>
             <a:endParaRPr lang="de-DE"/>
           </a:p>
@@ -3231,7 +3231,7 @@
             <a:fld id="{62DDE5E2-8159-4466-814F-B4B3A43FBB48}" type="datetimeFigureOut">
               <a:rPr lang="de-DE" smtClean="0"/>
               <a:pPr/>
-              <a:t>02.10.2017</a:t>
+              <a:t>17.12.2020</a:t>
             </a:fld>
             <a:endParaRPr lang="de-DE"/>
           </a:p>
@@ -5095,40 +5095,6 @@
           <p:spPr>
             <a:xfrm>
               <a:off x="3352506" y="5143723"/>
-              <a:ext cx="285752" cy="369332"/>
-            </a:xfrm>
-            <a:prstGeom prst="rect">
-              <a:avLst/>
-            </a:prstGeom>
-            <a:noFill/>
-          </p:spPr>
-          <p:txBody>
-            <a:bodyPr wrap="square" rtlCol="0">
-              <a:spAutoFit/>
-            </a:bodyPr>
-            <a:lstStyle/>
-            <a:p>
-              <a:r>
-                <a:rPr lang="de-DE" dirty="0" smtClean="0">
-                  <a:latin typeface="Analysia" pitchFamily="50" charset="0"/>
-                </a:rPr>
-                <a:t>à</a:t>
-              </a:r>
-              <a:endParaRPr lang="de-DE" dirty="0">
-                <a:latin typeface="Analysia" pitchFamily="50" charset="0"/>
-              </a:endParaRPr>
-            </a:p>
-          </p:txBody>
-        </p:sp>
-        <p:sp>
-          <p:nvSpPr>
-            <p:cNvPr id="111" name="Textfeld 110"/>
-            <p:cNvSpPr txBox="1"/>
-            <p:nvPr/>
-          </p:nvSpPr>
-          <p:spPr>
-            <a:xfrm>
-              <a:off x="3395541" y="4941168"/>
               <a:ext cx="285752" cy="369332"/>
             </a:xfrm>
             <a:prstGeom prst="rect">
@@ -11102,7 +11068,6 @@
                 <a:rPr lang="de-DE" sz="2800" dirty="0"/>
                 <a:t>B</a:t>
               </a:r>
-              <a:endParaRPr lang="de-DE" sz="2800" dirty="0"/>
             </a:p>
           </p:txBody>
         </p:sp>
@@ -11132,7 +11097,6 @@
                 <a:rPr lang="de-DE" sz="2800" dirty="0"/>
                 <a:t>F</a:t>
               </a:r>
-              <a:endParaRPr lang="de-DE" sz="2800" dirty="0"/>
             </a:p>
           </p:txBody>
         </p:sp>
@@ -11162,7 +11126,6 @@
                 <a:rPr lang="de-DE" sz="2800" dirty="0"/>
                 <a:t>C</a:t>
               </a:r>
-              <a:endParaRPr lang="de-DE" sz="2800" dirty="0"/>
             </a:p>
           </p:txBody>
         </p:sp>
